--- a/Prezentacie/9. Pole a zoznam.pptx
+++ b/Prezentacie/9. Pole a zoznam.pptx
@@ -4486,7 +4486,7 @@
         </p:nvSpPr>
         <p:spPr>
           <a:xfrm>
-            <a:off x="939800" y="2186940"/>
+            <a:off x="939800" y="1690688"/>
             <a:ext cx="10515600" cy="962660"/>
           </a:xfrm>
           <a:solidFill>
@@ -4538,12 +4538,20 @@
               <a:buNone/>
             </a:pPr>
             <a:r>
+              <a:rPr lang="en-US" b="1" dirty="0">
+                <a:solidFill>
+                  <a:srgbClr val="0070C0"/>
+                </a:solidFill>
+              </a:rPr>
+              <a:t>Pole</a:t>
+            </a:r>
+            <a:r>
               <a:rPr lang="en-US" dirty="0">
                 <a:solidFill>
                   <a:srgbClr val="0070C0"/>
                 </a:solidFill>
               </a:rPr>
-              <a:t>Pole je </a:t>
+              <a:t> je </a:t>
             </a:r>
             <a:r>
               <a:rPr lang="en-US" dirty="0" err="1">
@@ -4791,8 +4799,8 @@
         </p:nvSpPr>
         <p:spPr>
           <a:xfrm>
-            <a:off x="939800" y="3434080"/>
-            <a:ext cx="10515600" cy="2922270"/>
+            <a:off x="939800" y="3016251"/>
+            <a:ext cx="10515600" cy="3340099"/>
           </a:xfrm>
           <a:prstGeom prst="rect">
             <a:avLst/>
@@ -4840,7 +4848,7 @@
         </p:style>
         <p:txBody>
           <a:bodyPr vert="horz" lIns="91440" tIns="45720" rIns="91440" bIns="45720" rtlCol="0">
-            <a:normAutofit fontScale="77500" lnSpcReduction="20000"/>
+            <a:normAutofit fontScale="92500" lnSpcReduction="20000"/>
           </a:bodyPr>
           <a:lstStyle>
             <a:lvl1pPr marL="228600" indent="-228600" algn="l" defTabSz="914400" rtl="0" eaLnBrk="1" latinLnBrk="0" hangingPunct="1">
@@ -5639,12 +5647,20 @@
           <a:p>
             <a:pPr algn="just"/>
             <a:r>
+              <a:rPr lang="sk-SK" dirty="0">
+                <a:solidFill>
+                  <a:srgbClr val="0070C0"/>
+                </a:solidFill>
+              </a:rPr>
+              <a:t>k</a:t>
+            </a:r>
+            <a:r>
               <a:rPr lang="en-US" dirty="0" err="1">
                 <a:solidFill>
                   <a:srgbClr val="0070C0"/>
                 </a:solidFill>
               </a:rPr>
-              <a:t>Každá</a:t>
+              <a:t>aždá</a:t>
             </a:r>
             <a:r>
               <a:rPr lang="sk-SK" dirty="0">
@@ -6016,7 +6032,7 @@
               <a:buNone/>
             </a:pPr>
             <a:r>
-              <a:rPr lang="en-US" dirty="0" err="1">
+              <a:rPr lang="en-US" b="1" dirty="0" err="1">
                 <a:solidFill>
                   <a:srgbClr val="0070C0"/>
                 </a:solidFill>
@@ -6024,7 +6040,7 @@
               <a:t>identifikátor</a:t>
             </a:r>
             <a:r>
-              <a:rPr lang="en-US" dirty="0">
+              <a:rPr lang="en-US" b="1" dirty="0">
                 <a:solidFill>
                   <a:srgbClr val="0070C0"/>
                 </a:solidFill>
@@ -7056,7 +7072,7 @@
               <a:buNone/>
             </a:pPr>
             <a:r>
-              <a:rPr lang="fr-FR" dirty="0">
+              <a:rPr lang="fr-FR" b="1" dirty="0">
                 <a:solidFill>
                   <a:srgbClr val="0070C0"/>
                 </a:solidFill>
@@ -7070,7 +7086,7 @@
               <a:buNone/>
             </a:pPr>
             <a:r>
-              <a:rPr lang="fr-FR" dirty="0" err="1">
+              <a:rPr lang="fr-FR" b="1" dirty="0" err="1">
                 <a:solidFill>
                   <a:srgbClr val="0070C0"/>
                 </a:solidFill>
@@ -7078,7 +7094,7 @@
               <a:t>print</a:t>
             </a:r>
             <a:r>
-              <a:rPr lang="fr-FR" dirty="0">
+              <a:rPr lang="fr-FR" b="1" dirty="0">
                 <a:solidFill>
                   <a:srgbClr val="0070C0"/>
                 </a:solidFill>
@@ -7330,7 +7346,7 @@
               <a:buNone/>
             </a:pPr>
             <a:r>
-              <a:rPr lang="fr-FR" dirty="0">
+              <a:rPr lang="fr-FR" b="1" dirty="0">
                 <a:solidFill>
                   <a:srgbClr val="0070C0"/>
                 </a:solidFill>
@@ -7344,7 +7360,7 @@
               <a:buNone/>
             </a:pPr>
             <a:r>
-              <a:rPr lang="fr-FR" dirty="0" err="1">
+              <a:rPr lang="fr-FR" b="1" dirty="0" err="1">
                 <a:solidFill>
                   <a:srgbClr val="0070C0"/>
                 </a:solidFill>
@@ -7352,7 +7368,7 @@
               <a:t>print</a:t>
             </a:r>
             <a:r>
-              <a:rPr lang="fr-FR" dirty="0">
+              <a:rPr lang="fr-FR" b="1" dirty="0">
                 <a:solidFill>
                   <a:srgbClr val="0070C0"/>
                 </a:solidFill>
@@ -7604,7 +7620,7 @@
               <a:buNone/>
             </a:pPr>
             <a:r>
-              <a:rPr lang="fr-FR" dirty="0">
+              <a:rPr lang="fr-FR" b="1" dirty="0">
                 <a:solidFill>
                   <a:srgbClr val="0070C0"/>
                 </a:solidFill>
@@ -7618,7 +7634,7 @@
               <a:buNone/>
             </a:pPr>
             <a:r>
-              <a:rPr lang="fr-FR" dirty="0">
+              <a:rPr lang="fr-FR" b="1" dirty="0">
                 <a:solidFill>
                   <a:srgbClr val="0070C0"/>
                 </a:solidFill>
@@ -7632,7 +7648,7 @@
               <a:buNone/>
             </a:pPr>
             <a:r>
-              <a:rPr lang="fr-FR" dirty="0" err="1">
+              <a:rPr lang="fr-FR" b="1" dirty="0" err="1">
                 <a:solidFill>
                   <a:srgbClr val="0070C0"/>
                 </a:solidFill>
@@ -7640,7 +7656,7 @@
               <a:t>print</a:t>
             </a:r>
             <a:r>
-              <a:rPr lang="fr-FR" dirty="0">
+              <a:rPr lang="fr-FR" b="1" dirty="0">
                 <a:solidFill>
                   <a:srgbClr val="0070C0"/>
                 </a:solidFill>
@@ -7892,7 +7908,7 @@
               <a:buNone/>
             </a:pPr>
             <a:r>
-              <a:rPr lang="fr-FR" dirty="0">
+              <a:rPr lang="fr-FR" b="1" dirty="0">
                 <a:solidFill>
                   <a:srgbClr val="0070C0"/>
                 </a:solidFill>
@@ -7906,7 +7922,7 @@
               <a:buNone/>
             </a:pPr>
             <a:r>
-              <a:rPr lang="fr-FR" dirty="0" err="1">
+              <a:rPr lang="fr-FR" b="1" dirty="0" err="1">
                 <a:solidFill>
                   <a:srgbClr val="0070C0"/>
                 </a:solidFill>
@@ -7914,7 +7930,7 @@
               <a:t>print</a:t>
             </a:r>
             <a:r>
-              <a:rPr lang="fr-FR" dirty="0">
+              <a:rPr lang="fr-FR" b="1" dirty="0">
                 <a:solidFill>
                   <a:srgbClr val="0070C0"/>
                 </a:solidFill>
@@ -7922,7 +7938,7 @@
               <a:t>(</a:t>
             </a:r>
             <a:r>
-              <a:rPr lang="fr-FR" dirty="0" err="1">
+              <a:rPr lang="fr-FR" b="1" dirty="0" err="1">
                 <a:solidFill>
                   <a:srgbClr val="0070C0"/>
                 </a:solidFill>
@@ -7930,7 +7946,7 @@
               <a:t>len</a:t>
             </a:r>
             <a:r>
-              <a:rPr lang="fr-FR" dirty="0">
+              <a:rPr lang="fr-FR" b="1" dirty="0">
                 <a:solidFill>
                   <a:srgbClr val="0070C0"/>
                 </a:solidFill>
@@ -8285,12 +8301,20 @@
               <a:buNone/>
             </a:pPr>
             <a:r>
+              <a:rPr lang="sk-SK" b="1" dirty="0">
+                <a:solidFill>
+                  <a:srgbClr val="0070C0"/>
+                </a:solidFill>
+              </a:rPr>
+              <a:t>Zoznam</a:t>
+            </a:r>
+            <a:r>
               <a:rPr lang="sk-SK" dirty="0">
                 <a:solidFill>
                   <a:srgbClr val="0070C0"/>
                 </a:solidFill>
               </a:rPr>
-              <a:t>Zoznam je konštrukcia podobná polu. Rozdielom je, že prvky v zozname nemusia byť rovnakého dátového typu. </a:t>
+              <a:t> je konštrukcia podobná polu. Rozdielom je, že prvky v zozname nemusia byť rovnakého dátového typu. </a:t>
             </a:r>
             <a:endParaRPr lang="en-US" dirty="0">
               <a:solidFill>
@@ -8598,7 +8622,7 @@
               <a:buNone/>
             </a:pPr>
             <a:r>
-              <a:rPr lang="pl-PL" dirty="0">
+              <a:rPr lang="pl-PL" b="1" dirty="0">
                 <a:solidFill>
                   <a:srgbClr val="0070C0"/>
                 </a:solidFill>
@@ -8611,14 +8635,14 @@
               <a:buNone/>
             </a:pPr>
             <a:r>
-              <a:rPr lang="pl-PL" dirty="0">
+              <a:rPr lang="pl-PL" b="1" dirty="0">
                 <a:solidFill>
                   <a:srgbClr val="0070C0"/>
                 </a:solidFill>
               </a:rPr>
               <a:t>print(zoznam)</a:t>
             </a:r>
-            <a:endParaRPr lang="en-US" dirty="0">
+            <a:endParaRPr lang="en-US" b="1" dirty="0">
               <a:solidFill>
                 <a:srgbClr val="0070C0"/>
               </a:solidFill>
